--- a/Database Administrator/Module5-Database Development/5.1-Decoding Database Diversity Segmentation, Schema, and Beyond(2th-4p)/Decoding Database Diversity.pptx
+++ b/Database Administrator/Module5-Database Development/5.1-Decoding Database Diversity Segmentation, Schema, and Beyond(2th-4p)/Decoding Database Diversity.pptx
@@ -186,14 +186,6 @@
           <pc:docMk/>
           <pc:sldMk cId="349747687" sldId="263"/>
         </pc:sldMkLst>
-        <pc:spChg chg="del mod">
-          <ac:chgData name="Krishna Kant Dubey" userId="cd28fa1e1902c48d" providerId="LiveId" clId="{84A4DE23-FED3-40A6-B3C6-7D297E08EAE1}" dt="2025-08-07T14:31:38.700" v="115" actId="478"/>
-          <ac:spMkLst>
-            <pc:docMk/>
-            <pc:sldMk cId="349747687" sldId="263"/>
-            <ac:spMk id="2" creationId="{BF85B148-95F5-F557-1684-748C83907FE0}"/>
-          </ac:spMkLst>
-        </pc:spChg>
         <pc:spChg chg="mod">
           <ac:chgData name="Krishna Kant Dubey" userId="cd28fa1e1902c48d" providerId="LiveId" clId="{84A4DE23-FED3-40A6-B3C6-7D297E08EAE1}" dt="2025-08-07T14:31:08.577" v="111" actId="20577"/>
           <ac:spMkLst>
@@ -202,14 +194,6 @@
             <ac:spMk id="12" creationId="{8EF55225-7A9D-D092-D512-6583849764F6}"/>
           </ac:spMkLst>
         </pc:spChg>
-        <pc:graphicFrameChg chg="add mod modGraphic">
-          <ac:chgData name="Krishna Kant Dubey" userId="cd28fa1e1902c48d" providerId="LiveId" clId="{84A4DE23-FED3-40A6-B3C6-7D297E08EAE1}" dt="2025-08-07T14:39:18.464" v="282"/>
-          <ac:graphicFrameMkLst>
-            <pc:docMk/>
-            <pc:sldMk cId="349747687" sldId="263"/>
-            <ac:graphicFrameMk id="3" creationId="{EA74A5B0-444A-7D50-60F6-B02884260566}"/>
-          </ac:graphicFrameMkLst>
-        </pc:graphicFrameChg>
       </pc:sldChg>
       <pc:sldChg chg="del">
         <pc:chgData name="Krishna Kant Dubey" userId="cd28fa1e1902c48d" providerId="LiveId" clId="{84A4DE23-FED3-40A6-B3C6-7D297E08EAE1}" dt="2025-08-07T14:27:27.763" v="108" actId="2696"/>
@@ -231,38 +215,6 @@
           <pc:docMk/>
           <pc:sldMk cId="3493401632" sldId="264"/>
         </pc:sldMkLst>
-        <pc:spChg chg="add mod">
-          <ac:chgData name="Krishna Kant Dubey" userId="cd28fa1e1902c48d" providerId="LiveId" clId="{84A4DE23-FED3-40A6-B3C6-7D297E08EAE1}" dt="2025-08-07T14:33:44.693" v="193"/>
-          <ac:spMkLst>
-            <pc:docMk/>
-            <pc:sldMk cId="3493401632" sldId="264"/>
-            <ac:spMk id="4" creationId="{3F54973F-40F9-54E9-C494-B854186BAF45}"/>
-          </ac:spMkLst>
-        </pc:spChg>
-        <pc:spChg chg="add mod">
-          <ac:chgData name="Krishna Kant Dubey" userId="cd28fa1e1902c48d" providerId="LiveId" clId="{84A4DE23-FED3-40A6-B3C6-7D297E08EAE1}" dt="2025-08-07T14:33:58.876" v="195"/>
-          <ac:spMkLst>
-            <pc:docMk/>
-            <pc:sldMk cId="3493401632" sldId="264"/>
-            <ac:spMk id="6" creationId="{DFE7B0E6-5DFC-948B-30A4-D869E29BC901}"/>
-          </ac:spMkLst>
-        </pc:spChg>
-        <pc:spChg chg="add mod">
-          <ac:chgData name="Krishna Kant Dubey" userId="cd28fa1e1902c48d" providerId="LiveId" clId="{84A4DE23-FED3-40A6-B3C6-7D297E08EAE1}" dt="2025-08-07T14:34:15.782" v="197"/>
-          <ac:spMkLst>
-            <pc:docMk/>
-            <pc:sldMk cId="3493401632" sldId="264"/>
-            <ac:spMk id="8" creationId="{41BD470A-2EAE-C50A-B901-7D3E6FD06112}"/>
-          </ac:spMkLst>
-        </pc:spChg>
-        <pc:spChg chg="add mod">
-          <ac:chgData name="Krishna Kant Dubey" userId="cd28fa1e1902c48d" providerId="LiveId" clId="{84A4DE23-FED3-40A6-B3C6-7D297E08EAE1}" dt="2025-08-07T14:34:34.176" v="199"/>
-          <ac:spMkLst>
-            <pc:docMk/>
-            <pc:sldMk cId="3493401632" sldId="264"/>
-            <ac:spMk id="11" creationId="{9DC1BE1C-1C57-A6A6-783C-218743778DCA}"/>
-          </ac:spMkLst>
-        </pc:spChg>
         <pc:spChg chg="mod">
           <ac:chgData name="Krishna Kant Dubey" userId="cd28fa1e1902c48d" providerId="LiveId" clId="{84A4DE23-FED3-40A6-B3C6-7D297E08EAE1}" dt="2025-08-07T14:35:29.804" v="205"/>
           <ac:spMkLst>
@@ -271,54 +223,6 @@
             <ac:spMk id="12" creationId="{C4BAF04C-05FA-01F0-9477-3DF5B7CA5EBB}"/>
           </ac:spMkLst>
         </pc:spChg>
-        <pc:graphicFrameChg chg="add mod">
-          <ac:chgData name="Krishna Kant Dubey" userId="cd28fa1e1902c48d" providerId="LiveId" clId="{84A4DE23-FED3-40A6-B3C6-7D297E08EAE1}" dt="2025-08-07T14:33:43.156" v="192"/>
-          <ac:graphicFrameMkLst>
-            <pc:docMk/>
-            <pc:sldMk cId="3493401632" sldId="264"/>
-            <ac:graphicFrameMk id="2" creationId="{E7F29FCC-9091-A6CB-1F60-98D09CF73692}"/>
-          </ac:graphicFrameMkLst>
-        </pc:graphicFrameChg>
-        <pc:graphicFrameChg chg="del mod modGraphic">
-          <ac:chgData name="Krishna Kant Dubey" userId="cd28fa1e1902c48d" providerId="LiveId" clId="{84A4DE23-FED3-40A6-B3C6-7D297E08EAE1}" dt="2025-08-07T14:35:14.950" v="204" actId="478"/>
-          <ac:graphicFrameMkLst>
-            <pc:docMk/>
-            <pc:sldMk cId="3493401632" sldId="264"/>
-            <ac:graphicFrameMk id="3" creationId="{07B44AC8-5757-B267-5A68-2F6C5CC014F0}"/>
-          </ac:graphicFrameMkLst>
-        </pc:graphicFrameChg>
-        <pc:graphicFrameChg chg="add mod">
-          <ac:chgData name="Krishna Kant Dubey" userId="cd28fa1e1902c48d" providerId="LiveId" clId="{84A4DE23-FED3-40A6-B3C6-7D297E08EAE1}" dt="2025-08-07T14:33:57.526" v="194"/>
-          <ac:graphicFrameMkLst>
-            <pc:docMk/>
-            <pc:sldMk cId="3493401632" sldId="264"/>
-            <ac:graphicFrameMk id="5" creationId="{5BA58B11-8AAB-0ADC-F3AE-352E7375CE80}"/>
-          </ac:graphicFrameMkLst>
-        </pc:graphicFrameChg>
-        <pc:graphicFrameChg chg="add mod">
-          <ac:chgData name="Krishna Kant Dubey" userId="cd28fa1e1902c48d" providerId="LiveId" clId="{84A4DE23-FED3-40A6-B3C6-7D297E08EAE1}" dt="2025-08-07T14:34:11.406" v="196"/>
-          <ac:graphicFrameMkLst>
-            <pc:docMk/>
-            <pc:sldMk cId="3493401632" sldId="264"/>
-            <ac:graphicFrameMk id="7" creationId="{AC137C75-CCE9-2CA6-097F-23F68F89E618}"/>
-          </ac:graphicFrameMkLst>
-        </pc:graphicFrameChg>
-        <pc:graphicFrameChg chg="add mod">
-          <ac:chgData name="Krishna Kant Dubey" userId="cd28fa1e1902c48d" providerId="LiveId" clId="{84A4DE23-FED3-40A6-B3C6-7D297E08EAE1}" dt="2025-08-07T14:34:32.623" v="198"/>
-          <ac:graphicFrameMkLst>
-            <pc:docMk/>
-            <pc:sldMk cId="3493401632" sldId="264"/>
-            <ac:graphicFrameMk id="10" creationId="{0F892739-9E02-43C8-AA23-09BD4DCE46B0}"/>
-          </ac:graphicFrameMkLst>
-        </pc:graphicFrameChg>
-        <pc:graphicFrameChg chg="add mod modGraphic">
-          <ac:chgData name="Krishna Kant Dubey" userId="cd28fa1e1902c48d" providerId="LiveId" clId="{84A4DE23-FED3-40A6-B3C6-7D297E08EAE1}" dt="2025-08-07T14:39:21.716" v="283" actId="108"/>
-          <ac:graphicFrameMkLst>
-            <pc:docMk/>
-            <pc:sldMk cId="3493401632" sldId="264"/>
-            <ac:graphicFrameMk id="13" creationId="{BB4595CF-7BC6-AB69-90C4-916B3FA8DFF0}"/>
-          </ac:graphicFrameMkLst>
-        </pc:graphicFrameChg>
       </pc:sldChg>
       <pc:sldChg chg="del">
         <pc:chgData name="Krishna Kant Dubey" userId="cd28fa1e1902c48d" providerId="LiveId" clId="{84A4DE23-FED3-40A6-B3C6-7D297E08EAE1}" dt="2025-08-07T14:27:27.763" v="108" actId="2696"/>
@@ -519,7 +423,7 @@
   <pc:docChgLst>
     <pc:chgData name="Krishna Kant Dubey" userId="cd28fa1e1902c48d" providerId="LiveId" clId="{F3C5F2BA-F452-4AB9-BD00-EA8AA37CF020}"/>
     <pc:docChg chg="undo custSel addSld modSld">
-      <pc:chgData name="Krishna Kant Dubey" userId="cd28fa1e1902c48d" providerId="LiveId" clId="{F3C5F2BA-F452-4AB9-BD00-EA8AA37CF020}" dt="2025-08-08T09:39:58.203" v="356" actId="20577"/>
+      <pc:chgData name="Krishna Kant Dubey" userId="cd28fa1e1902c48d" providerId="LiveId" clId="{F3C5F2BA-F452-4AB9-BD00-EA8AA37CF020}" dt="2025-08-11T06:11:32.325" v="357"/>
       <pc:docMkLst>
         <pc:docMk/>
       </pc:docMkLst>
@@ -537,6 +441,21 @@
             <ac:spMk id="12" creationId="{941B6D05-14FE-733C-BADE-E07A8CDD1589}"/>
           </ac:spMkLst>
         </pc:spChg>
+      </pc:sldChg>
+      <pc:sldChg chg="addSp modSp">
+        <pc:chgData name="Krishna Kant Dubey" userId="cd28fa1e1902c48d" providerId="LiveId" clId="{F3C5F2BA-F452-4AB9-BD00-EA8AA37CF020}" dt="2025-08-11T06:11:32.325" v="357"/>
+        <pc:sldMkLst>
+          <pc:docMk/>
+          <pc:sldMk cId="2381247086" sldId="257"/>
+        </pc:sldMkLst>
+        <pc:picChg chg="add mod">
+          <ac:chgData name="Krishna Kant Dubey" userId="cd28fa1e1902c48d" providerId="LiveId" clId="{F3C5F2BA-F452-4AB9-BD00-EA8AA37CF020}" dt="2025-08-11T06:11:32.325" v="357"/>
+          <ac:picMkLst>
+            <pc:docMk/>
+            <pc:sldMk cId="2381247086" sldId="257"/>
+            <ac:picMk id="3" creationId="{49D86A38-3EE8-3EE8-6AF2-C0DB66DB3443}"/>
+          </ac:picMkLst>
+        </pc:picChg>
       </pc:sldChg>
       <pc:sldChg chg="modSp mod">
         <pc:chgData name="Krishna Kant Dubey" userId="cd28fa1e1902c48d" providerId="LiveId" clId="{F3C5F2BA-F452-4AB9-BD00-EA8AA37CF020}" dt="2025-08-08T07:43:04.512" v="8" actId="207"/>
@@ -559,14 +478,6 @@
           <pc:docMk/>
           <pc:sldMk cId="1248854694" sldId="262"/>
         </pc:sldMkLst>
-        <pc:spChg chg="del mod">
-          <ac:chgData name="Krishna Kant Dubey" userId="cd28fa1e1902c48d" providerId="LiveId" clId="{F3C5F2BA-F452-4AB9-BD00-EA8AA37CF020}" dt="2025-08-08T07:45:15.885" v="52" actId="478"/>
-          <ac:spMkLst>
-            <pc:docMk/>
-            <pc:sldMk cId="1248854694" sldId="262"/>
-            <ac:spMk id="2" creationId="{8FB604A4-D687-2C4C-32B9-200BFDD9E2B7}"/>
-          </ac:spMkLst>
-        </pc:spChg>
         <pc:spChg chg="add mod">
           <ac:chgData name="Krishna Kant Dubey" userId="cd28fa1e1902c48d" providerId="LiveId" clId="{F3C5F2BA-F452-4AB9-BD00-EA8AA37CF020}" dt="2025-08-08T09:39:58.203" v="356" actId="20577"/>
           <ac:spMkLst>
@@ -614,14 +525,6 @@
             <ac:graphicFrameMk id="2" creationId="{E6304D91-EAA3-83D2-F49A-F69147DC9D94}"/>
           </ac:graphicFrameMkLst>
         </pc:graphicFrameChg>
-        <pc:graphicFrameChg chg="del">
-          <ac:chgData name="Krishna Kant Dubey" userId="cd28fa1e1902c48d" providerId="LiveId" clId="{F3C5F2BA-F452-4AB9-BD00-EA8AA37CF020}" dt="2025-08-08T07:48:21.529" v="79" actId="478"/>
-          <ac:graphicFrameMkLst>
-            <pc:docMk/>
-            <pc:sldMk cId="349747687" sldId="263"/>
-            <ac:graphicFrameMk id="3" creationId="{EA74A5B0-444A-7D50-60F6-B02884260566}"/>
-          </ac:graphicFrameMkLst>
-        </pc:graphicFrameChg>
         <pc:picChg chg="mod">
           <ac:chgData name="Krishna Kant Dubey" userId="cd28fa1e1902c48d" providerId="LiveId" clId="{F3C5F2BA-F452-4AB9-BD00-EA8AA37CF020}" dt="2025-08-08T08:18:28.942" v="183" actId="14100"/>
           <ac:picMkLst>
@@ -651,14 +554,6 @@
             <pc:docMk/>
             <pc:sldMk cId="3493401632" sldId="264"/>
             <ac:graphicFrameMk id="2" creationId="{30A13269-7C92-01D8-9D84-FC05DCF6CBC6}"/>
-          </ac:graphicFrameMkLst>
-        </pc:graphicFrameChg>
-        <pc:graphicFrameChg chg="del">
-          <ac:chgData name="Krishna Kant Dubey" userId="cd28fa1e1902c48d" providerId="LiveId" clId="{F3C5F2BA-F452-4AB9-BD00-EA8AA37CF020}" dt="2025-08-08T08:18:38.312" v="184" actId="478"/>
-          <ac:graphicFrameMkLst>
-            <pc:docMk/>
-            <pc:sldMk cId="3493401632" sldId="264"/>
-            <ac:graphicFrameMk id="13" creationId="{BB4595CF-7BC6-AB69-90C4-916B3FA8DFF0}"/>
           </ac:graphicFrameMkLst>
         </pc:graphicFrameChg>
       </pc:sldChg>
@@ -737,22 +632,6 @@
           <pc:docMk/>
           <pc:sldMk cId="4138379922" sldId="268"/>
         </pc:sldMkLst>
-        <pc:spChg chg="add mod">
-          <ac:chgData name="Krishna Kant Dubey" userId="cd28fa1e1902c48d" providerId="LiveId" clId="{F3C5F2BA-F452-4AB9-BD00-EA8AA37CF020}" dt="2025-08-08T09:36:52.463" v="344"/>
-          <ac:spMkLst>
-            <pc:docMk/>
-            <pc:sldMk cId="4138379922" sldId="268"/>
-            <ac:spMk id="5" creationId="{9BC7E600-8EC8-BF1F-F43D-91A722337460}"/>
-          </ac:spMkLst>
-        </pc:spChg>
-        <pc:spChg chg="add mod">
-          <ac:chgData name="Krishna Kant Dubey" userId="cd28fa1e1902c48d" providerId="LiveId" clId="{F3C5F2BA-F452-4AB9-BD00-EA8AA37CF020}" dt="2025-08-08T09:37:11.841" v="346"/>
-          <ac:spMkLst>
-            <pc:docMk/>
-            <pc:sldMk cId="4138379922" sldId="268"/>
-            <ac:spMk id="8" creationId="{BBF57219-3216-CE6C-7812-1F605A08BCC8}"/>
-          </ac:spMkLst>
-        </pc:spChg>
         <pc:spChg chg="mod">
           <ac:chgData name="Krishna Kant Dubey" userId="cd28fa1e1902c48d" providerId="LiveId" clId="{F3C5F2BA-F452-4AB9-BD00-EA8AA37CF020}" dt="2025-08-08T09:39:40.850" v="355" actId="113"/>
           <ac:spMkLst>
@@ -769,38 +648,6 @@
             <ac:graphicFrameMk id="2" creationId="{408D8F4A-5DA4-FE03-74C0-826DD05B762C}"/>
           </ac:graphicFrameMkLst>
         </pc:graphicFrameChg>
-        <pc:graphicFrameChg chg="add mod">
-          <ac:chgData name="Krishna Kant Dubey" userId="cd28fa1e1902c48d" providerId="LiveId" clId="{F3C5F2BA-F452-4AB9-BD00-EA8AA37CF020}" dt="2025-08-08T09:36:51.193" v="343"/>
-          <ac:graphicFrameMkLst>
-            <pc:docMk/>
-            <pc:sldMk cId="4138379922" sldId="268"/>
-            <ac:graphicFrameMk id="3" creationId="{4615C677-AA10-2B0A-8598-174752AAD726}"/>
-          </ac:graphicFrameMkLst>
-        </pc:graphicFrameChg>
-        <pc:graphicFrameChg chg="add mod">
-          <ac:chgData name="Krishna Kant Dubey" userId="cd28fa1e1902c48d" providerId="LiveId" clId="{F3C5F2BA-F452-4AB9-BD00-EA8AA37CF020}" dt="2025-08-08T09:36:51.193" v="343"/>
-          <ac:graphicFrameMkLst>
-            <pc:docMk/>
-            <pc:sldMk cId="4138379922" sldId="268"/>
-            <ac:graphicFrameMk id="4" creationId="{E2228E2B-0E94-007D-7749-F6A7017967DE}"/>
-          </ac:graphicFrameMkLst>
-        </pc:graphicFrameChg>
-        <pc:graphicFrameChg chg="add mod">
-          <ac:chgData name="Krishna Kant Dubey" userId="cd28fa1e1902c48d" providerId="LiveId" clId="{F3C5F2BA-F452-4AB9-BD00-EA8AA37CF020}" dt="2025-08-08T09:37:10.518" v="345"/>
-          <ac:graphicFrameMkLst>
-            <pc:docMk/>
-            <pc:sldMk cId="4138379922" sldId="268"/>
-            <ac:graphicFrameMk id="6" creationId="{9AC9ADF4-95F9-59E1-D864-7B6710755961}"/>
-          </ac:graphicFrameMkLst>
-        </pc:graphicFrameChg>
-        <pc:graphicFrameChg chg="add mod">
-          <ac:chgData name="Krishna Kant Dubey" userId="cd28fa1e1902c48d" providerId="LiveId" clId="{F3C5F2BA-F452-4AB9-BD00-EA8AA37CF020}" dt="2025-08-08T09:37:10.518" v="345"/>
-          <ac:graphicFrameMkLst>
-            <pc:docMk/>
-            <pc:sldMk cId="4138379922" sldId="268"/>
-            <ac:graphicFrameMk id="7" creationId="{349E1567-564D-8D46-EEB4-3ED28E816A5A}"/>
-          </ac:graphicFrameMkLst>
-        </pc:graphicFrameChg>
       </pc:sldChg>
       <pc:sldChg chg="addSp modSp add">
         <pc:chgData name="Krishna Kant Dubey" userId="cd28fa1e1902c48d" providerId="LiveId" clId="{F3C5F2BA-F452-4AB9-BD00-EA8AA37CF020}" dt="2025-08-08T09:32:58.697" v="342"/>
@@ -808,54 +655,6 @@
           <pc:docMk/>
           <pc:sldMk cId="4212594746" sldId="269"/>
         </pc:sldMkLst>
-        <pc:spChg chg="add mod">
-          <ac:chgData name="Krishna Kant Dubey" userId="cd28fa1e1902c48d" providerId="LiveId" clId="{F3C5F2BA-F452-4AB9-BD00-EA8AA37CF020}" dt="2025-08-08T09:32:47.369" v="340"/>
-          <ac:spMkLst>
-            <pc:docMk/>
-            <pc:sldMk cId="4212594746" sldId="269"/>
-            <ac:spMk id="5" creationId="{FB8882AD-E807-2907-40ED-C7409E18537D}"/>
-          </ac:spMkLst>
-        </pc:spChg>
-        <pc:spChg chg="add mod">
-          <ac:chgData name="Krishna Kant Dubey" userId="cd28fa1e1902c48d" providerId="LiveId" clId="{F3C5F2BA-F452-4AB9-BD00-EA8AA37CF020}" dt="2025-08-08T09:32:58.697" v="342"/>
-          <ac:spMkLst>
-            <pc:docMk/>
-            <pc:sldMk cId="4212594746" sldId="269"/>
-            <ac:spMk id="8" creationId="{38C331AE-F8B0-45E0-9F59-A99926BA4A30}"/>
-          </ac:spMkLst>
-        </pc:spChg>
-        <pc:graphicFrameChg chg="add mod">
-          <ac:chgData name="Krishna Kant Dubey" userId="cd28fa1e1902c48d" providerId="LiveId" clId="{F3C5F2BA-F452-4AB9-BD00-EA8AA37CF020}" dt="2025-08-08T09:32:45.964" v="339"/>
-          <ac:graphicFrameMkLst>
-            <pc:docMk/>
-            <pc:sldMk cId="4212594746" sldId="269"/>
-            <ac:graphicFrameMk id="3" creationId="{2AD66583-C78E-136D-6C88-21A2E888FC8D}"/>
-          </ac:graphicFrameMkLst>
-        </pc:graphicFrameChg>
-        <pc:graphicFrameChg chg="add mod">
-          <ac:chgData name="Krishna Kant Dubey" userId="cd28fa1e1902c48d" providerId="LiveId" clId="{F3C5F2BA-F452-4AB9-BD00-EA8AA37CF020}" dt="2025-08-08T09:32:45.964" v="339"/>
-          <ac:graphicFrameMkLst>
-            <pc:docMk/>
-            <pc:sldMk cId="4212594746" sldId="269"/>
-            <ac:graphicFrameMk id="4" creationId="{00FCE0A9-7AFF-6835-431E-700D39526BE5}"/>
-          </ac:graphicFrameMkLst>
-        </pc:graphicFrameChg>
-        <pc:graphicFrameChg chg="add mod">
-          <ac:chgData name="Krishna Kant Dubey" userId="cd28fa1e1902c48d" providerId="LiveId" clId="{F3C5F2BA-F452-4AB9-BD00-EA8AA37CF020}" dt="2025-08-08T09:32:57.314" v="341"/>
-          <ac:graphicFrameMkLst>
-            <pc:docMk/>
-            <pc:sldMk cId="4212594746" sldId="269"/>
-            <ac:graphicFrameMk id="6" creationId="{4AC09C06-C81D-B931-54D8-D00B94605303}"/>
-          </ac:graphicFrameMkLst>
-        </pc:graphicFrameChg>
-        <pc:graphicFrameChg chg="add mod">
-          <ac:chgData name="Krishna Kant Dubey" userId="cd28fa1e1902c48d" providerId="LiveId" clId="{F3C5F2BA-F452-4AB9-BD00-EA8AA37CF020}" dt="2025-08-08T09:32:57.314" v="341"/>
-          <ac:graphicFrameMkLst>
-            <pc:docMk/>
-            <pc:sldMk cId="4212594746" sldId="269"/>
-            <ac:graphicFrameMk id="7" creationId="{AF92A1C7-8310-153E-1133-62C128342415}"/>
-          </ac:graphicFrameMkLst>
-        </pc:graphicFrameChg>
       </pc:sldChg>
     </pc:docChg>
   </pc:docChgLst>
@@ -1450,7 +1249,7 @@
           <a:p>
             <a:fld id="{771BC1E5-8BD3-45A8-A8D4-BE6B8D3F526F}" type="datetimeFigureOut">
               <a:rPr lang="en-IN" smtClean="0"/>
-              <a:t>08-08-2025</a:t>
+              <a:t>11-08-2025</a:t>
             </a:fld>
             <a:endParaRPr lang="en-IN"/>
           </a:p>
@@ -1867,7 +1666,7 @@
           <a:p>
             <a:fld id="{8B8265E5-5E35-4F50-869B-ACC7CF337DF9}" type="datetimeFigureOut">
               <a:rPr lang="en-IN" smtClean="0"/>
-              <a:t>08-08-2025</a:t>
+              <a:t>11-08-2025</a:t>
             </a:fld>
             <a:endParaRPr lang="en-IN"/>
           </a:p>
@@ -2067,7 +1866,7 @@
           <a:p>
             <a:fld id="{8B8265E5-5E35-4F50-869B-ACC7CF337DF9}" type="datetimeFigureOut">
               <a:rPr lang="en-IN" smtClean="0"/>
-              <a:t>08-08-2025</a:t>
+              <a:t>11-08-2025</a:t>
             </a:fld>
             <a:endParaRPr lang="en-IN"/>
           </a:p>
@@ -2277,7 +2076,7 @@
           <a:p>
             <a:fld id="{8B8265E5-5E35-4F50-869B-ACC7CF337DF9}" type="datetimeFigureOut">
               <a:rPr lang="en-IN" smtClean="0"/>
-              <a:t>08-08-2025</a:t>
+              <a:t>11-08-2025</a:t>
             </a:fld>
             <a:endParaRPr lang="en-IN"/>
           </a:p>
@@ -2477,7 +2276,7 @@
           <a:p>
             <a:fld id="{8B8265E5-5E35-4F50-869B-ACC7CF337DF9}" type="datetimeFigureOut">
               <a:rPr lang="en-IN" smtClean="0"/>
-              <a:t>08-08-2025</a:t>
+              <a:t>11-08-2025</a:t>
             </a:fld>
             <a:endParaRPr lang="en-IN"/>
           </a:p>
@@ -2753,7 +2552,7 @@
           <a:p>
             <a:fld id="{8B8265E5-5E35-4F50-869B-ACC7CF337DF9}" type="datetimeFigureOut">
               <a:rPr lang="en-IN" smtClean="0"/>
-              <a:t>08-08-2025</a:t>
+              <a:t>11-08-2025</a:t>
             </a:fld>
             <a:endParaRPr lang="en-IN"/>
           </a:p>
@@ -3021,7 +2820,7 @@
           <a:p>
             <a:fld id="{8B8265E5-5E35-4F50-869B-ACC7CF337DF9}" type="datetimeFigureOut">
               <a:rPr lang="en-IN" smtClean="0"/>
-              <a:t>08-08-2025</a:t>
+              <a:t>11-08-2025</a:t>
             </a:fld>
             <a:endParaRPr lang="en-IN"/>
           </a:p>
@@ -3436,7 +3235,7 @@
           <a:p>
             <a:fld id="{8B8265E5-5E35-4F50-869B-ACC7CF337DF9}" type="datetimeFigureOut">
               <a:rPr lang="en-IN" smtClean="0"/>
-              <a:t>08-08-2025</a:t>
+              <a:t>11-08-2025</a:t>
             </a:fld>
             <a:endParaRPr lang="en-IN"/>
           </a:p>
@@ -3578,7 +3377,7 @@
           <a:p>
             <a:fld id="{8B8265E5-5E35-4F50-869B-ACC7CF337DF9}" type="datetimeFigureOut">
               <a:rPr lang="en-IN" smtClean="0"/>
-              <a:t>08-08-2025</a:t>
+              <a:t>11-08-2025</a:t>
             </a:fld>
             <a:endParaRPr lang="en-IN"/>
           </a:p>
@@ -3691,7 +3490,7 @@
           <a:p>
             <a:fld id="{8B8265E5-5E35-4F50-869B-ACC7CF337DF9}" type="datetimeFigureOut">
               <a:rPr lang="en-IN" smtClean="0"/>
-              <a:t>08-08-2025</a:t>
+              <a:t>11-08-2025</a:t>
             </a:fld>
             <a:endParaRPr lang="en-IN"/>
           </a:p>
@@ -4004,7 +3803,7 @@
           <a:p>
             <a:fld id="{8B8265E5-5E35-4F50-869B-ACC7CF337DF9}" type="datetimeFigureOut">
               <a:rPr lang="en-IN" smtClean="0"/>
-              <a:t>08-08-2025</a:t>
+              <a:t>11-08-2025</a:t>
             </a:fld>
             <a:endParaRPr lang="en-IN"/>
           </a:p>
@@ -4293,7 +4092,7 @@
           <a:p>
             <a:fld id="{8B8265E5-5E35-4F50-869B-ACC7CF337DF9}" type="datetimeFigureOut">
               <a:rPr lang="en-IN" smtClean="0"/>
-              <a:t>08-08-2025</a:t>
+              <a:t>11-08-2025</a:t>
             </a:fld>
             <a:endParaRPr lang="en-IN"/>
           </a:p>
@@ -4536,7 +4335,7 @@
           <a:p>
             <a:fld id="{8B8265E5-5E35-4F50-869B-ACC7CF337DF9}" type="datetimeFigureOut">
               <a:rPr lang="en-IN" smtClean="0"/>
-              <a:t>08-08-2025</a:t>
+              <a:t>11-08-2025</a:t>
             </a:fld>
             <a:endParaRPr lang="en-IN"/>
           </a:p>
@@ -5085,6 +4884,41 @@
           </a:p>
         </p:txBody>
       </p:sp>
+      <p:pic>
+        <p:nvPicPr>
+          <p:cNvPr id="3" name="Content Placeholder 4">
+            <a:extLst>
+              <a:ext uri="{FF2B5EF4-FFF2-40B4-BE49-F238E27FC236}">
+                <a16:creationId xmlns:a16="http://schemas.microsoft.com/office/drawing/2014/main" id="{49D86A38-3EE8-3EE8-6AF2-C0DB66DB3443}"/>
+              </a:ext>
+            </a:extLst>
+          </p:cNvPr>
+          <p:cNvPicPr>
+            <a:picLocks noGrp="1" noChangeAspect="1"/>
+          </p:cNvPicPr>
+          <p:nvPr/>
+        </p:nvPicPr>
+        <p:blipFill>
+          <a:blip r:embed="rId4">
+            <a:extLst>
+              <a:ext uri="{28A0092B-C50C-407E-A947-70E740481C1C}">
+                <a14:useLocalDpi xmlns:a14="http://schemas.microsoft.com/office/drawing/2010/main" val="0"/>
+              </a:ext>
+            </a:extLst>
+          </a:blip>
+          <a:srcRect/>
+          <a:stretch/>
+        </p:blipFill>
+        <p:spPr>
+          <a:xfrm>
+            <a:off x="-3047" y="0"/>
+            <a:ext cx="12198095" cy="6858000"/>
+          </a:xfrm>
+          <a:prstGeom prst="rect">
+            <a:avLst/>
+          </a:prstGeom>
+        </p:spPr>
+      </p:pic>
     </p:spTree>
     <p:extLst>
       <p:ext uri="{BB962C8B-B14F-4D97-AF65-F5344CB8AC3E}">
